--- a/4. Hands-on Modules/Embedding/7. Embedding Module.pptx
+++ b/4. Hands-on Modules/Embedding/7. Embedding Module.pptx
@@ -28,7 +28,7 @@
     <p:sldId id="339" r:id="rId19"/>
     <p:sldId id="340" r:id="rId20"/>
     <p:sldId id="342" r:id="rId21"/>
-    <p:sldId id="315" r:id="rId22"/>
+    <p:sldId id="343" r:id="rId22"/>
   </p:sldIdLst>
   <p:sldSz cx="12192000" cy="6858000"/>
   <p:notesSz cx="6858000" cy="9144000"/>
@@ -217,7 +217,7 @@
           <a:p>
             <a:fld id="{A5E98B92-C0B5-4678-86B5-68F423B12508}" type="datetimeFigureOut">
               <a:rPr lang="en-US" smtClean="0"/>
-              <a:t>2/27/2019</a:t>
+              <a:t>3/4/2019</a:t>
             </a:fld>
             <a:endParaRPr lang="en-US"/>
           </a:p>
@@ -871,7 +871,7 @@
                 <a:tabLst/>
                 <a:defRPr/>
               </a:pPr>
-              <a:t>2/27/2019 5:09 PM</a:t>
+              <a:t>3/4/2019 10:14 PM</a:t>
             </a:fld>
             <a:endParaRPr kumimoji="0" lang="en-US" sz="1200" b="0" i="0" u="none" strike="noStrike" kern="1200" cap="none" spc="0" normalizeH="0" baseline="0" noProof="0" dirty="0">
               <a:ln>
@@ -1124,7 +1124,7 @@
           <a:p>
             <a:fld id="{35A2D088-BDBD-41A5-ADCE-5C6A4DC08057}" type="datetime8">
               <a:rPr lang="en-US" smtClean="0"/>
-              <a:t>2/27/2019 5:10 PM</a:t>
+              <a:t>3/4/2019 10:14 PM</a:t>
             </a:fld>
             <a:endParaRPr lang="en-US" dirty="0"/>
           </a:p>
@@ -1245,10 +1245,36 @@
           <a:bodyPr/>
           <a:lstStyle/>
           <a:p>
-            <a:endParaRPr lang="en-US" dirty="0">
+            <a:pPr marL="0" marR="0" lvl="0" indent="0" algn="l" defTabSz="914400" rtl="0" eaLnBrk="1" fontAlgn="auto" latinLnBrk="0" hangingPunct="1">
+              <a:lnSpc>
+                <a:spcPct val="100000"/>
+              </a:lnSpc>
+              <a:spcBef>
+                <a:spcPts val="0"/>
+              </a:spcBef>
+              <a:spcAft>
+                <a:spcPts val="0"/>
+              </a:spcAft>
+              <a:buClrTx/>
+              <a:buSzTx/>
+              <a:buFontTx/>
+              <a:buNone/>
+              <a:tabLst/>
+              <a:defRPr/>
+            </a:pPr>
+            <a:endParaRPr kumimoji="0" lang="en-US" sz="1200" b="0" i="0" u="none" strike="noStrike" kern="1200" cap="none" spc="0" normalizeH="0" baseline="0" noProof="0" dirty="0">
+              <a:ln>
+                <a:noFill/>
+              </a:ln>
               <a:solidFill>
                 <a:prstClr val="black"/>
               </a:solidFill>
+              <a:effectLst/>
+              <a:uLnTx/>
+              <a:uFillTx/>
+              <a:latin typeface="Calibri" panose="020F0502020204030204"/>
+              <a:ea typeface="+mn-ea"/>
+              <a:cs typeface="+mn-cs"/>
             </a:endParaRPr>
           </a:p>
         </p:txBody>
@@ -1268,18 +1294,70 @@
           <a:bodyPr/>
           <a:lstStyle/>
           <a:p>
+            <a:pPr marL="0" marR="0" lvl="0" indent="0" algn="r" defTabSz="914400" rtl="0" eaLnBrk="1" fontAlgn="auto" latinLnBrk="0" hangingPunct="1">
+              <a:lnSpc>
+                <a:spcPct val="100000"/>
+              </a:lnSpc>
+              <a:spcBef>
+                <a:spcPts val="0"/>
+              </a:spcBef>
+              <a:spcAft>
+                <a:spcPts val="0"/>
+              </a:spcAft>
+              <a:buClrTx/>
+              <a:buSzTx/>
+              <a:buFontTx/>
+              <a:buNone/>
+              <a:tabLst/>
+              <a:defRPr/>
+            </a:pPr>
             <a:fld id="{8AB9A6D4-FB34-4BDB-BA1E-7271914431FC}" type="datetime8">
-              <a:rPr lang="en-US" smtClean="0">
+              <a:rPr kumimoji="0" lang="en-US" sz="1200" b="0" i="0" u="none" strike="noStrike" kern="1200" cap="none" spc="0" normalizeH="0" baseline="0" noProof="0" smtClean="0">
+                <a:ln>
+                  <a:noFill/>
+                </a:ln>
                 <a:solidFill>
                   <a:prstClr val="black"/>
                 </a:solidFill>
+                <a:effectLst/>
+                <a:uLnTx/>
+                <a:uFillTx/>
+                <a:latin typeface="Calibri" panose="020F0502020204030204"/>
+                <a:ea typeface="+mn-ea"/>
+                <a:cs typeface="+mn-cs"/>
               </a:rPr>
-              <a:t>2/27/2019 5:13 PM</a:t>
+              <a:pPr marL="0" marR="0" lvl="0" indent="0" algn="r" defTabSz="914400" rtl="0" eaLnBrk="1" fontAlgn="auto" latinLnBrk="0" hangingPunct="1">
+                <a:lnSpc>
+                  <a:spcPct val="100000"/>
+                </a:lnSpc>
+                <a:spcBef>
+                  <a:spcPts val="0"/>
+                </a:spcBef>
+                <a:spcAft>
+                  <a:spcPts val="0"/>
+                </a:spcAft>
+                <a:buClrTx/>
+                <a:buSzTx/>
+                <a:buFontTx/>
+                <a:buNone/>
+                <a:tabLst/>
+                <a:defRPr/>
+              </a:pPr>
+              <a:t>3/4/2019 10:20 PM</a:t>
             </a:fld>
-            <a:endParaRPr lang="en-US" dirty="0">
+            <a:endParaRPr kumimoji="0" lang="en-US" sz="1200" b="0" i="0" u="none" strike="noStrike" kern="1200" cap="none" spc="0" normalizeH="0" baseline="0" noProof="0" dirty="0">
+              <a:ln>
+                <a:noFill/>
+              </a:ln>
               <a:solidFill>
                 <a:prstClr val="black"/>
               </a:solidFill>
+              <a:effectLst/>
+              <a:uLnTx/>
+              <a:uFillTx/>
+              <a:latin typeface="Calibri" panose="020F0502020204030204"/>
+              <a:ea typeface="+mn-ea"/>
+              <a:cs typeface="+mn-cs"/>
             </a:endParaRPr>
           </a:p>
         </p:txBody>
@@ -1299,19 +1377,70 @@
           <a:bodyPr/>
           <a:lstStyle/>
           <a:p>
+            <a:pPr marL="0" marR="0" lvl="0" indent="0" algn="r" defTabSz="914400" rtl="0" eaLnBrk="1" fontAlgn="auto" latinLnBrk="0" hangingPunct="1">
+              <a:lnSpc>
+                <a:spcPct val="100000"/>
+              </a:lnSpc>
+              <a:spcBef>
+                <a:spcPts val="0"/>
+              </a:spcBef>
+              <a:spcAft>
+                <a:spcPts val="0"/>
+              </a:spcAft>
+              <a:buClrTx/>
+              <a:buSzTx/>
+              <a:buFontTx/>
+              <a:buNone/>
+              <a:tabLst/>
+              <a:defRPr/>
+            </a:pPr>
             <a:fld id="{EC87E0CF-87F6-4B58-B8B8-DCAB2DAAF3CA}" type="slidenum">
-              <a:rPr lang="en-US" smtClean="0">
+              <a:rPr kumimoji="0" lang="en-US" sz="1200" b="0" i="0" u="none" strike="noStrike" kern="1200" cap="none" spc="0" normalizeH="0" baseline="0" noProof="0" smtClean="0">
+                <a:ln>
+                  <a:noFill/>
+                </a:ln>
                 <a:solidFill>
                   <a:prstClr val="black"/>
                 </a:solidFill>
+                <a:effectLst/>
+                <a:uLnTx/>
+                <a:uFillTx/>
+                <a:latin typeface="Calibri" panose="020F0502020204030204"/>
+                <a:ea typeface="+mn-ea"/>
+                <a:cs typeface="+mn-cs"/>
               </a:rPr>
-              <a:pPr/>
+              <a:pPr marL="0" marR="0" lvl="0" indent="0" algn="r" defTabSz="914400" rtl="0" eaLnBrk="1" fontAlgn="auto" latinLnBrk="0" hangingPunct="1">
+                <a:lnSpc>
+                  <a:spcPct val="100000"/>
+                </a:lnSpc>
+                <a:spcBef>
+                  <a:spcPts val="0"/>
+                </a:spcBef>
+                <a:spcAft>
+                  <a:spcPts val="0"/>
+                </a:spcAft>
+                <a:buClrTx/>
+                <a:buSzTx/>
+                <a:buFontTx/>
+                <a:buNone/>
+                <a:tabLst/>
+                <a:defRPr/>
+              </a:pPr>
               <a:t>21</a:t>
             </a:fld>
-            <a:endParaRPr lang="en-US" dirty="0">
+            <a:endParaRPr kumimoji="0" lang="en-US" sz="1200" b="0" i="0" u="none" strike="noStrike" kern="1200" cap="none" spc="0" normalizeH="0" baseline="0" noProof="0" dirty="0">
+              <a:ln>
+                <a:noFill/>
+              </a:ln>
               <a:solidFill>
                 <a:prstClr val="black"/>
               </a:solidFill>
+              <a:effectLst/>
+              <a:uLnTx/>
+              <a:uFillTx/>
+              <a:latin typeface="Calibri" panose="020F0502020204030204"/>
+              <a:ea typeface="+mn-ea"/>
+              <a:cs typeface="+mn-cs"/>
             </a:endParaRPr>
           </a:p>
         </p:txBody>
@@ -1331,9 +1460,28 @@
           <a:bodyPr/>
           <a:lstStyle/>
           <a:p>
-            <a:pPr defTabSz="914099" eaLnBrk="0" hangingPunct="0"/>
-            <a:r>
-              <a:rPr lang="en-US" sz="400">
+            <a:pPr marL="0" marR="0" lvl="0" indent="0" algn="l" defTabSz="914099" rtl="0" eaLnBrk="0" fontAlgn="auto" latinLnBrk="0" hangingPunct="0">
+              <a:lnSpc>
+                <a:spcPct val="100000"/>
+              </a:lnSpc>
+              <a:spcBef>
+                <a:spcPts val="0"/>
+              </a:spcBef>
+              <a:spcAft>
+                <a:spcPts val="0"/>
+              </a:spcAft>
+              <a:buClrTx/>
+              <a:buSzTx/>
+              <a:buFontTx/>
+              <a:buNone/>
+              <a:tabLst/>
+              <a:defRPr/>
+            </a:pPr>
+            <a:r>
+              <a:rPr kumimoji="0" lang="en-US" sz="400" b="0" i="0" u="none" strike="noStrike" kern="1200" cap="none" spc="0" normalizeH="0" baseline="0" noProof="0">
+                <a:ln>
+                  <a:noFill/>
+                </a:ln>
                 <a:gradFill>
                   <a:gsLst>
                     <a:gs pos="0">
@@ -1345,13 +1493,19 @@
                   </a:gsLst>
                   <a:lin ang="5400000" scaled="0"/>
                 </a:gradFill>
+                <a:effectLst/>
+                <a:uLnTx/>
+                <a:uFillTx/>
                 <a:latin typeface="Segoe UI" pitchFamily="34" charset="0"/>
                 <a:ea typeface="Segoe UI" pitchFamily="34" charset="0"/>
                 <a:cs typeface="Segoe UI" pitchFamily="34" charset="0"/>
               </a:rPr>
               <a:t>© Microsoft Corporation. All rights reserved. MICROSOFT MAKES NO WARRANTIES, EXPRESS, IMPLIED OR STATUTORY, AS TO THE INFORMATION IN THIS PRESENTATION.</a:t>
             </a:r>
-            <a:endParaRPr lang="en-US" sz="400" dirty="0">
+            <a:endParaRPr kumimoji="0" lang="en-US" sz="400" b="0" i="0" u="none" strike="noStrike" kern="1200" cap="none" spc="0" normalizeH="0" baseline="0" noProof="0" dirty="0">
+              <a:ln>
+                <a:noFill/>
+              </a:ln>
               <a:gradFill>
                 <a:gsLst>
                   <a:gs pos="0">
@@ -1363,6 +1517,9 @@
                 </a:gsLst>
                 <a:lin ang="5400000" scaled="0"/>
               </a:gradFill>
+              <a:effectLst/>
+              <a:uLnTx/>
+              <a:uFillTx/>
               <a:latin typeface="Segoe UI" pitchFamily="34" charset="0"/>
               <a:ea typeface="Segoe UI" pitchFamily="34" charset="0"/>
               <a:cs typeface="Segoe UI" pitchFamily="34" charset="0"/>
@@ -6758,7 +6915,7 @@
             <a:fld id="{2E809A50-B28D-413A-915D-87F91E5248C6}" type="datetimeFigureOut">
               <a:rPr lang="en-US" smtClean="0"/>
               <a:pPr/>
-              <a:t>2/27/2019</a:t>
+              <a:t>3/4/2019</a:t>
             </a:fld>
             <a:endParaRPr lang="en-US"/>
           </a:p>
@@ -8405,7 +8562,7 @@
           <a:p>
             <a:fld id="{1279C872-40C5-4778-A459-913B2790679C}" type="datetimeFigureOut">
               <a:rPr lang="en-US" smtClean="0"/>
-              <a:t>2/27/2019</a:t>
+              <a:t>3/4/2019</a:t>
             </a:fld>
             <a:endParaRPr lang="en-US"/>
           </a:p>
@@ -8670,7 +8827,7 @@
           <a:p>
             <a:fld id="{1279C872-40C5-4778-A459-913B2790679C}" type="datetimeFigureOut">
               <a:rPr lang="en-US" smtClean="0"/>
-              <a:t>2/27/2019</a:t>
+              <a:t>3/4/2019</a:t>
             </a:fld>
             <a:endParaRPr lang="en-US"/>
           </a:p>
@@ -9082,7 +9239,7 @@
           <a:p>
             <a:fld id="{1279C872-40C5-4778-A459-913B2790679C}" type="datetimeFigureOut">
               <a:rPr lang="en-US" smtClean="0"/>
-              <a:t>2/27/2019</a:t>
+              <a:t>3/4/2019</a:t>
             </a:fld>
             <a:endParaRPr lang="en-US"/>
           </a:p>
@@ -10964,13 +11121,13 @@
         </p:nvSpPr>
         <p:spPr/>
         <p:txBody>
-          <a:bodyPr>
+          <a:bodyPr anchor="ctr">
             <a:normAutofit/>
           </a:bodyPr>
           <a:lstStyle/>
           <a:p>
             <a:r>
-              <a:rPr lang="en-US" sz="3600" dirty="0"/>
+              <a:rPr lang="en-US" sz="4400" dirty="0"/>
               <a:t>Attached Power BI Report in App</a:t>
             </a:r>
           </a:p>
@@ -10988,8 +11145,8 @@
         </p:nvSpPr>
         <p:spPr>
           <a:xfrm>
-            <a:off x="269241" y="1189175"/>
-            <a:ext cx="5378548" cy="4740977"/>
+            <a:off x="269241" y="1189176"/>
+            <a:ext cx="5378548" cy="3113884"/>
           </a:xfrm>
         </p:spPr>
         <p:txBody>
@@ -10999,21 +11156,30 @@
           <a:lstStyle/>
           <a:p>
             <a:r>
-              <a:rPr lang="en-US" sz="2400" dirty="0"/>
+              <a:rPr lang="en-US" sz="2000" dirty="0">
+                <a:solidFill>
+                  <a:schemeClr val="tx1"/>
+                </a:solidFill>
+                <a:latin typeface="+mn-lt"/>
+              </a:rPr>
               <a:t>We have following items</a:t>
             </a:r>
           </a:p>
           <a:p>
             <a:pPr marL="800100" lvl="1" indent="-342900"/>
             <a:r>
-              <a:rPr lang="en-US" sz="2400" dirty="0"/>
+              <a:rPr lang="en-US" sz="2000" dirty="0">
+                <a:solidFill>
+                  <a:schemeClr val="tx1"/>
+                </a:solidFill>
+              </a:rPr>
               <a:t>Embed Token</a:t>
             </a:r>
           </a:p>
           <a:p>
             <a:pPr marL="800100" lvl="1" indent="-342900"/>
             <a:r>
-              <a:rPr lang="en-US" sz="2400" dirty="0">
+              <a:rPr lang="en-US" sz="2000" dirty="0">
                 <a:solidFill>
                   <a:schemeClr val="tx1"/>
                 </a:solidFill>
@@ -11024,35 +11190,32 @@
           <a:p>
             <a:pPr marL="800100" lvl="1" indent="-342900"/>
             <a:r>
-              <a:rPr lang="en-US" sz="2400">
+              <a:rPr lang="en-US" sz="2000" dirty="0">
                 <a:solidFill>
                   <a:schemeClr val="tx1"/>
                 </a:solidFill>
               </a:rPr>
               <a:t>Group ID</a:t>
             </a:r>
-            <a:endParaRPr lang="en-US" sz="2400" dirty="0">
-              <a:solidFill>
-                <a:schemeClr val="tx1"/>
-              </a:solidFill>
-            </a:endParaRPr>
-          </a:p>
-          <a:p>
-            <a:r>
-              <a:rPr lang="en-US" sz="2400" dirty="0">
+          </a:p>
+          <a:p>
+            <a:r>
+              <a:rPr lang="en-US" sz="2000" dirty="0">
                 <a:solidFill>
                   <a:schemeClr val="tx1"/>
                 </a:solidFill>
+                <a:latin typeface="+mn-lt"/>
               </a:rPr>
               <a:t>Call Power BI Report using Microsoft Utilities</a:t>
             </a:r>
           </a:p>
           <a:p>
             <a:r>
-              <a:rPr lang="en-US" sz="2400" dirty="0">
+              <a:rPr lang="en-US" sz="2000" dirty="0">
                 <a:solidFill>
                   <a:schemeClr val="tx1"/>
                 </a:solidFill>
+                <a:latin typeface="+mn-lt"/>
                 <a:hlinkClick r:id="rId2">
                   <a:extLst>
                     <a:ext uri="{A12FA001-AC4F-418D-AE19-62706E023703}">
@@ -11063,36 +11226,12 @@
               </a:rPr>
               <a:t>https://microsoft.github.io/PowerBI-JavaScript/demo/v2-demo/index.html</a:t>
             </a:r>
-            <a:endParaRPr lang="en-US" sz="2400" dirty="0">
+            <a:endParaRPr lang="en-US" sz="2000" dirty="0">
               <a:solidFill>
                 <a:schemeClr val="tx1"/>
               </a:solidFill>
+              <a:latin typeface="+mn-lt"/>
             </a:endParaRPr>
-          </a:p>
-        </p:txBody>
-      </p:sp>
-      <p:sp>
-        <p:nvSpPr>
-          <p:cNvPr id="4" name="Text Placeholder 3">
-            <a:extLst>
-              <a:ext uri="{FF2B5EF4-FFF2-40B4-BE49-F238E27FC236}">
-                <a16:creationId xmlns:a16="http://schemas.microsoft.com/office/drawing/2014/main" id="{A908AF30-71AE-41AC-856E-87EEF9ACBF7C}"/>
-              </a:ext>
-            </a:extLst>
-          </p:cNvPr>
-          <p:cNvSpPr>
-            <a:spLocks noGrp="1"/>
-          </p:cNvSpPr>
-          <p:nvPr>
-            <p:ph type="body" sz="quarter" idx="11"/>
-          </p:nvPr>
-        </p:nvSpPr>
-        <p:spPr/>
-        <p:txBody>
-          <a:bodyPr/>
-          <a:lstStyle/>
-          <a:p>
-            <a:endParaRPr lang="en-US"/>
           </a:p>
         </p:txBody>
       </p:sp>
@@ -11113,7 +11252,7 @@
         </p:blipFill>
         <p:spPr bwMode="auto">
           <a:xfrm>
-            <a:off x="6096000" y="1149909"/>
+            <a:off x="5728305" y="1189176"/>
             <a:ext cx="5943600" cy="3153150"/>
           </a:xfrm>
           <a:prstGeom prst="rect">
@@ -13758,7 +13897,7 @@
                   <a:schemeClr val="tx1"/>
                 </a:solidFill>
               </a:rPr>
-              <a:t>Hands-On Module</a:t>
+              <a:t>Embedding Module</a:t>
             </a:r>
           </a:p>
         </p:txBody>
@@ -13859,6 +13998,14 @@
 <file path=ppt/slides/slide21.xml><?xml version="1.0" encoding="utf-8"?>
 <p:sld xmlns:a="http://schemas.openxmlformats.org/drawingml/2006/main" xmlns:r="http://schemas.openxmlformats.org/officeDocument/2006/relationships" xmlns:p="http://schemas.openxmlformats.org/presentationml/2006/main">
   <p:cSld>
+    <p:bg>
+      <p:bgPr>
+        <a:solidFill>
+          <a:schemeClr val="bg2"/>
+        </a:solidFill>
+        <a:effectLst/>
+      </p:bgPr>
+    </p:bg>
     <p:spTree>
       <p:nvGrpSpPr>
         <p:cNvPr id="1" name=""/>
@@ -13876,7 +14023,7 @@
     </p:spTree>
     <p:extLst>
       <p:ext uri="{BB962C8B-B14F-4D97-AF65-F5344CB8AC3E}">
-        <p14:creationId xmlns:p14="http://schemas.microsoft.com/office/powerpoint/2010/main" val="1897784522"/>
+        <p14:creationId xmlns:p14="http://schemas.microsoft.com/office/powerpoint/2010/main" val="2042665048"/>
       </p:ext>
     </p:extLst>
   </p:cSld>
@@ -13925,29 +14072,24 @@
             <p:ph type="body" sz="quarter" idx="10"/>
           </p:nvPr>
         </p:nvSpPr>
-        <p:spPr/>
+        <p:spPr>
+          <a:xfrm>
+            <a:off x="269239" y="1189177"/>
+            <a:ext cx="11653523" cy="620271"/>
+          </a:xfrm>
+        </p:spPr>
         <p:txBody>
           <a:bodyPr>
-            <a:normAutofit lnSpcReduction="10000"/>
+            <a:normAutofit/>
           </a:bodyPr>
           <a:lstStyle/>
           <a:p>
-            <a:pPr algn="l"/>
-            <a:endParaRPr lang="en-US" sz="2400" dirty="0"/>
-          </a:p>
-          <a:p>
-            <a:pPr algn="l"/>
-            <a:endParaRPr lang="en-US" sz="2400" dirty="0"/>
-          </a:p>
-          <a:p>
-            <a:endParaRPr lang="en-US" sz="3600" dirty="0"/>
-          </a:p>
-          <a:p>
-            <a:r>
-              <a:rPr lang="en-US" sz="3600" dirty="0"/>
+            <a:r>
+              <a:rPr lang="en-US" sz="2000" dirty="0">
+                <a:latin typeface="+mn-lt"/>
+              </a:rPr>
               <a:t>Go to Power BI App (app.powerbi.com)</a:t>
             </a:r>
-            <a:endParaRPr lang="en-US" sz="4400" dirty="0"/>
           </a:p>
         </p:txBody>
       </p:sp>
@@ -13963,13 +14105,13 @@
         </p:nvSpPr>
         <p:spPr/>
         <p:txBody>
-          <a:bodyPr>
+          <a:bodyPr anchor="ctr">
             <a:normAutofit/>
           </a:bodyPr>
           <a:lstStyle/>
           <a:p>
             <a:r>
-              <a:rPr lang="en-US" sz="3600" dirty="0"/>
+              <a:rPr lang="en-US" sz="4400" dirty="0"/>
               <a:t>Power BI</a:t>
             </a:r>
           </a:p>
@@ -14015,13 +14157,13 @@
         </p:nvSpPr>
         <p:spPr/>
         <p:txBody>
-          <a:bodyPr>
+          <a:bodyPr vert="horz" wrap="square" lIns="146304" tIns="91440" rIns="146304" bIns="91440" rtlCol="0" anchor="ctr">
             <a:normAutofit/>
           </a:bodyPr>
           <a:lstStyle/>
           <a:p>
             <a:r>
-              <a:rPr lang="en-US" sz="3600" dirty="0"/>
+              <a:rPr lang="en-US" sz="4400" dirty="0"/>
               <a:t>Power BI</a:t>
             </a:r>
           </a:p>
@@ -14045,13 +14187,17 @@
           <a:lstStyle/>
           <a:p>
             <a:r>
-              <a:rPr lang="en-US" sz="2400" dirty="0"/>
+              <a:rPr lang="en-US" sz="2000" dirty="0">
+                <a:latin typeface="+mn-lt"/>
+              </a:rPr>
               <a:t>Create Workspace</a:t>
             </a:r>
           </a:p>
           <a:p>
             <a:r>
-              <a:rPr lang="en-US" sz="2400" dirty="0"/>
+              <a:rPr lang="en-US" sz="2000" dirty="0">
+                <a:latin typeface="+mn-lt"/>
+              </a:rPr>
               <a:t>Note : Workspace name should match with application name we defined in azure portal.</a:t>
             </a:r>
           </a:p>
@@ -14155,13 +14301,13 @@
         </p:nvSpPr>
         <p:spPr/>
         <p:txBody>
-          <a:bodyPr>
+          <a:bodyPr anchor="ctr">
             <a:normAutofit/>
           </a:bodyPr>
           <a:lstStyle/>
           <a:p>
             <a:r>
-              <a:rPr lang="en-US" sz="3600" dirty="0"/>
+              <a:rPr lang="en-US" sz="4400" dirty="0"/>
               <a:t>Power BI</a:t>
             </a:r>
           </a:p>
@@ -14186,7 +14332,7 @@
         <p:spPr>
           <a:xfrm>
             <a:off x="269241" y="1189176"/>
-            <a:ext cx="5378548" cy="2000548"/>
+            <a:ext cx="5378548" cy="1446550"/>
           </a:xfrm>
         </p:spPr>
         <p:txBody>
@@ -14194,13 +14340,23 @@
           <a:lstStyle/>
           <a:p>
             <a:r>
-              <a:rPr lang="en-US" sz="2400" dirty="0"/>
+              <a:rPr lang="en-US" sz="2000" dirty="0">
+                <a:solidFill>
+                  <a:schemeClr val="tx1"/>
+                </a:solidFill>
+                <a:latin typeface="+mn-lt"/>
+              </a:rPr>
               <a:t>Published the Power BI report in workspace we just created in above steps.</a:t>
             </a:r>
           </a:p>
           <a:p>
             <a:r>
-              <a:rPr lang="en-US" sz="2400" dirty="0"/>
+              <a:rPr lang="en-US" sz="2000" dirty="0">
+                <a:solidFill>
+                  <a:schemeClr val="tx1"/>
+                </a:solidFill>
+                <a:latin typeface="+mn-lt"/>
+              </a:rPr>
               <a:t>Open Power BI Report and click on File-&gt;Embed</a:t>
             </a:r>
           </a:p>
@@ -14311,13 +14467,13 @@
         </p:nvSpPr>
         <p:spPr/>
         <p:txBody>
-          <a:bodyPr>
+          <a:bodyPr anchor="ctr">
             <a:normAutofit/>
           </a:bodyPr>
           <a:lstStyle/>
           <a:p>
             <a:r>
-              <a:rPr lang="en-US" sz="3600" dirty="0"/>
+              <a:rPr lang="en-US" sz="4400" dirty="0"/>
               <a:t>Power BI</a:t>
             </a:r>
           </a:p>
@@ -14335,8 +14491,8 @@
         </p:nvSpPr>
         <p:spPr>
           <a:xfrm>
-            <a:off x="269241" y="1193658"/>
-            <a:ext cx="5378548" cy="5090600"/>
+            <a:off x="269240" y="1193658"/>
+            <a:ext cx="5633235" cy="5090600"/>
           </a:xfrm>
         </p:spPr>
         <p:txBody>
@@ -14346,7 +14502,7 @@
           <a:lstStyle/>
           <a:p>
             <a:r>
-              <a:rPr lang="en-US" sz="2400" dirty="0">
+              <a:rPr lang="en-US" sz="2000" dirty="0">
                 <a:solidFill>
                   <a:schemeClr val="tx1"/>
                 </a:solidFill>
@@ -14367,7 +14523,7 @@
           <a:p>
             <a:pPr lvl="1"/>
             <a:r>
-              <a:rPr lang="en-US" sz="1616" dirty="0">
+              <a:rPr lang="en-US" sz="2000" dirty="0">
                 <a:solidFill>
                   <a:schemeClr val="tx1"/>
                 </a:solidFill>
@@ -14375,14 +14531,14 @@
               <a:t>Embed URL : </a:t>
             </a:r>
             <a:r>
-              <a:rPr lang="en-US" sz="1616" u="sng" dirty="0">
+              <a:rPr lang="en-US" sz="2000" u="sng" dirty="0">
                 <a:solidFill>
                   <a:schemeClr val="tx1"/>
                 </a:solidFill>
               </a:rPr>
               <a:t>https://app.powerbi.com/reportEmbed?reportId=ab6a6425-723b-4eb1-8a35-a51453a4a10f&amp;groupId=e9611f8e-ba94-44c6-8117-31e30d860187</a:t>
             </a:r>
-            <a:endParaRPr lang="en-US" sz="1616" dirty="0">
+            <a:endParaRPr lang="en-US" sz="2000" dirty="0">
               <a:solidFill>
                 <a:schemeClr val="tx1"/>
               </a:solidFill>
@@ -14391,7 +14547,7 @@
           <a:p>
             <a:pPr lvl="1"/>
             <a:r>
-              <a:rPr lang="en-US" sz="1616" dirty="0">
+              <a:rPr lang="en-US" sz="2000" dirty="0">
                 <a:solidFill>
                   <a:srgbClr val="FFFF00"/>
                 </a:solidFill>
@@ -14399,7 +14555,7 @@
               <a:t>Report ID </a:t>
             </a:r>
             <a:r>
-              <a:rPr lang="en-US" sz="1616" dirty="0">
+              <a:rPr lang="en-US" sz="2000" dirty="0">
                 <a:solidFill>
                   <a:schemeClr val="tx1"/>
                 </a:solidFill>
@@ -14407,7 +14563,7 @@
               <a:t>= </a:t>
             </a:r>
             <a:r>
-              <a:rPr lang="en-US" sz="1616" u="sng" dirty="0">
+              <a:rPr lang="en-US" sz="2000" u="sng" dirty="0">
                 <a:solidFill>
                   <a:schemeClr val="tx1"/>
                 </a:solidFill>
@@ -14421,7 +14577,7 @@
               </a:rPr>
               <a:t>ab6a6425-723b-4eb1-8a35-a51453a4a10f</a:t>
             </a:r>
-            <a:endParaRPr lang="en-US" sz="1616" dirty="0">
+            <a:endParaRPr lang="en-US" sz="2000" dirty="0">
               <a:solidFill>
                 <a:schemeClr val="tx1"/>
               </a:solidFill>
@@ -14430,7 +14586,7 @@
           <a:p>
             <a:pPr lvl="1"/>
             <a:r>
-              <a:rPr lang="en-US" sz="1616" dirty="0">
+              <a:rPr lang="en-US" sz="2000" dirty="0">
                 <a:solidFill>
                   <a:srgbClr val="FFFF00"/>
                 </a:solidFill>
@@ -14438,7 +14594,7 @@
               <a:t>Group ID </a:t>
             </a:r>
             <a:r>
-              <a:rPr lang="en-US" sz="1616" dirty="0">
+              <a:rPr lang="en-US" sz="2000" dirty="0">
                 <a:solidFill>
                   <a:schemeClr val="tx1"/>
                 </a:solidFill>
@@ -14446,7 +14602,7 @@
               <a:t>= </a:t>
             </a:r>
             <a:r>
-              <a:rPr lang="en-US" sz="1616" u="sng" dirty="0">
+              <a:rPr lang="en-US" sz="2000" u="sng" dirty="0">
                 <a:solidFill>
                   <a:schemeClr val="tx1"/>
                 </a:solidFill>
@@ -14460,7 +14616,7 @@
               </a:rPr>
               <a:t>e9611f8e-ba94-44c6-8117-31e30d860187</a:t>
             </a:r>
-            <a:endParaRPr lang="en-US" sz="1616" dirty="0">
+            <a:endParaRPr lang="en-US" sz="2000" dirty="0">
               <a:solidFill>
                 <a:schemeClr val="tx1"/>
               </a:solidFill>
@@ -14475,7 +14631,7 @@
           </a:p>
           <a:p>
             <a:r>
-              <a:rPr lang="en-US" sz="2400" dirty="0">
+              <a:rPr lang="en-US" sz="2000" dirty="0">
                 <a:solidFill>
                   <a:schemeClr val="tx1"/>
                 </a:solidFill>
@@ -14486,7 +14642,7 @@
           <a:p>
             <a:pPr lvl="1"/>
             <a:r>
-              <a:rPr lang="en-US" sz="1616" dirty="0">
+              <a:rPr lang="en-US" sz="2000" dirty="0">
                 <a:solidFill>
                   <a:schemeClr val="tx1"/>
                 </a:solidFill>
@@ -14497,7 +14653,7 @@
           <a:p>
             <a:pPr lvl="1"/>
             <a:r>
-              <a:rPr lang="en-US" sz="1616" dirty="0">
+              <a:rPr lang="en-US" sz="2000" dirty="0">
                 <a:solidFill>
                   <a:schemeClr val="tx1"/>
                 </a:solidFill>
@@ -14508,7 +14664,7 @@
           <a:p>
             <a:pPr lvl="1"/>
             <a:r>
-              <a:rPr lang="en-US" sz="1616" dirty="0">
+              <a:rPr lang="en-US" sz="2000" dirty="0">
                 <a:solidFill>
                   <a:schemeClr val="tx1"/>
                 </a:solidFill>
@@ -14583,13 +14739,13 @@
         </p:nvSpPr>
         <p:spPr/>
         <p:txBody>
-          <a:bodyPr>
+          <a:bodyPr anchor="ctr">
             <a:normAutofit/>
           </a:bodyPr>
           <a:lstStyle/>
           <a:p>
             <a:r>
-              <a:rPr lang="en-US" sz="3600" dirty="0"/>
+              <a:rPr lang="en-US" sz="4400" dirty="0"/>
               <a:t>REST API</a:t>
             </a:r>
           </a:p>
@@ -14605,42 +14761,28 @@
             <p:ph type="body" sz="quarter" idx="10"/>
           </p:nvPr>
         </p:nvSpPr>
-        <p:spPr/>
+        <p:spPr>
+          <a:xfrm>
+            <a:off x="269239" y="1189178"/>
+            <a:ext cx="11653523" cy="581566"/>
+          </a:xfrm>
+        </p:spPr>
         <p:txBody>
           <a:bodyPr>
-            <a:normAutofit fontScale="92500" lnSpcReduction="20000"/>
+            <a:normAutofit/>
           </a:bodyPr>
           <a:lstStyle/>
           <a:p>
-            <a:pPr marL="742950" indent="-742950"/>
-            <a:endParaRPr lang="en-US" sz="4800" dirty="0"/>
-          </a:p>
-          <a:p>
-            <a:pPr marL="742950" indent="-742950"/>
-            <a:endParaRPr lang="en-US" sz="4800" dirty="0"/>
-          </a:p>
-          <a:p>
-            <a:pPr marL="742950" indent="-742950"/>
-            <a:r>
-              <a:rPr lang="en-US" sz="4800" dirty="0"/>
+            <a:pPr marL="342900" indent="-342900">
+              <a:buFont typeface="Arial" panose="020B0604020202020204" pitchFamily="34" charset="0"/>
+              <a:buChar char="•"/>
+            </a:pPr>
+            <a:r>
+              <a:rPr lang="en-US" sz="2000" dirty="0">
+                <a:latin typeface="+mn-lt"/>
+              </a:rPr>
               <a:t>Call REST API to open Power BI report securely</a:t>
             </a:r>
-          </a:p>
-          <a:p>
-            <a:pPr marL="742950" indent="-742950" algn="l"/>
-            <a:endParaRPr lang="en-US" sz="4400" dirty="0"/>
-          </a:p>
-          <a:p>
-            <a:pPr marL="742950" indent="-742950" algn="l"/>
-            <a:endParaRPr lang="en-US" sz="4400" dirty="0"/>
-          </a:p>
-          <a:p>
-            <a:pPr marL="742950" indent="-742950" algn="l"/>
-            <a:endParaRPr lang="en-US" sz="4400" dirty="0"/>
-          </a:p>
-          <a:p>
-            <a:pPr marL="742950" indent="-742950" algn="l"/>
-            <a:endParaRPr lang="en-US" sz="4400" dirty="0"/>
           </a:p>
         </p:txBody>
       </p:sp>
@@ -14684,13 +14826,13 @@
         </p:nvSpPr>
         <p:spPr/>
         <p:txBody>
-          <a:bodyPr>
+          <a:bodyPr anchor="ctr">
             <a:normAutofit/>
           </a:bodyPr>
           <a:lstStyle/>
           <a:p>
             <a:r>
-              <a:rPr lang="en-US" sz="3600" dirty="0"/>
+              <a:rPr lang="en-US" sz="4400" dirty="0"/>
               <a:t>REST API</a:t>
             </a:r>
           </a:p>
@@ -14719,29 +14861,40 @@
           <a:lstStyle/>
           <a:p>
             <a:r>
-              <a:rPr lang="en-US" sz="2400" dirty="0"/>
-              <a:t>Call </a:t>
-            </a:r>
-            <a:r>
-              <a:rPr lang="en-US" sz="2400" dirty="0" err="1"/>
-              <a:t>GetToken</a:t>
-            </a:r>
-            <a:r>
-              <a:rPr lang="en-US" sz="2400" dirty="0"/>
-              <a:t> REST API with header and body</a:t>
-            </a:r>
-            <a:endParaRPr lang="en-US" sz="2400" dirty="0">
-              <a:solidFill>
-                <a:schemeClr val="tx1"/>
-              </a:solidFill>
-            </a:endParaRPr>
-          </a:p>
-          <a:p>
-            <a:r>
-              <a:rPr lang="en-US" sz="2400" u="sng" dirty="0">
+              <a:rPr lang="en-US" sz="2000" dirty="0">
                 <a:solidFill>
                   <a:schemeClr val="tx1"/>
                 </a:solidFill>
+                <a:latin typeface="+mn-lt"/>
+              </a:rPr>
+              <a:t>Call </a:t>
+            </a:r>
+            <a:r>
+              <a:rPr lang="en-US" sz="2000" dirty="0" err="1">
+                <a:solidFill>
+                  <a:schemeClr val="tx1"/>
+                </a:solidFill>
+                <a:latin typeface="+mn-lt"/>
+              </a:rPr>
+              <a:t>GetToken</a:t>
+            </a:r>
+            <a:r>
+              <a:rPr lang="en-US" sz="2000" dirty="0">
+                <a:solidFill>
+                  <a:schemeClr val="tx1"/>
+                </a:solidFill>
+                <a:latin typeface="+mn-lt"/>
+              </a:rPr>
+              <a:t> REST API with header and body</a:t>
+            </a:r>
+          </a:p>
+          <a:p>
+            <a:r>
+              <a:rPr lang="en-US" sz="2000" u="sng" dirty="0">
+                <a:solidFill>
+                  <a:schemeClr val="tx1"/>
+                </a:solidFill>
+                <a:latin typeface="+mn-lt"/>
                 <a:hlinkClick r:id="rId2">
                   <a:extLst>
                     <a:ext uri="{A12FA001-AC4F-418D-AE19-62706E023703}">
@@ -14752,59 +14905,60 @@
               </a:rPr>
               <a:t>https://login.microsoftonline.com/common/oauth2/token</a:t>
             </a:r>
-            <a:endParaRPr lang="en-US" sz="2400" dirty="0">
+            <a:endParaRPr lang="en-US" sz="2000" dirty="0">
               <a:solidFill>
                 <a:schemeClr val="tx1"/>
               </a:solidFill>
+              <a:latin typeface="+mn-lt"/>
             </a:endParaRPr>
           </a:p>
           <a:p>
             <a:r>
-              <a:rPr lang="en-US" sz="2400" dirty="0"/>
+              <a:rPr lang="en-US" sz="2000" dirty="0">
+                <a:solidFill>
+                  <a:schemeClr val="tx1"/>
+                </a:solidFill>
+                <a:latin typeface="+mn-lt"/>
+              </a:rPr>
               <a:t>Header</a:t>
             </a:r>
           </a:p>
           <a:p>
             <a:r>
-              <a:rPr lang="en-US" sz="2400" dirty="0"/>
+              <a:rPr lang="en-US" sz="2000" dirty="0">
+                <a:solidFill>
+                  <a:schemeClr val="tx1"/>
+                </a:solidFill>
+                <a:latin typeface="+mn-lt"/>
+              </a:rPr>
               <a:t>Content-Type = application/x-www-form-</a:t>
             </a:r>
             <a:r>
-              <a:rPr lang="en-US" sz="2400" dirty="0" err="1"/>
+              <a:rPr lang="en-US" sz="2000" dirty="0" err="1">
+                <a:solidFill>
+                  <a:schemeClr val="tx1"/>
+                </a:solidFill>
+                <a:latin typeface="+mn-lt"/>
+              </a:rPr>
               <a:t>urlencoded</a:t>
             </a:r>
-            <a:endParaRPr lang="en-US" sz="2400" dirty="0"/>
-          </a:p>
-          <a:p>
-            <a:r>
-              <a:rPr lang="en-US" sz="2400" dirty="0"/>
+            <a:endParaRPr lang="en-US" sz="2000" dirty="0">
+              <a:solidFill>
+                <a:schemeClr val="tx1"/>
+              </a:solidFill>
+              <a:latin typeface="+mn-lt"/>
+            </a:endParaRPr>
+          </a:p>
+          <a:p>
+            <a:r>
+              <a:rPr lang="en-US" sz="2000" dirty="0">
+                <a:solidFill>
+                  <a:schemeClr val="tx1"/>
+                </a:solidFill>
+                <a:latin typeface="+mn-lt"/>
+              </a:rPr>
               <a:t>Remember the values for Access Token from result</a:t>
             </a:r>
-          </a:p>
-        </p:txBody>
-      </p:sp>
-      <p:sp>
-        <p:nvSpPr>
-          <p:cNvPr id="4" name="Text Placeholder 3">
-            <a:extLst>
-              <a:ext uri="{FF2B5EF4-FFF2-40B4-BE49-F238E27FC236}">
-                <a16:creationId xmlns:a16="http://schemas.microsoft.com/office/drawing/2014/main" id="{5707BAC3-04F2-49E6-ABAB-73742432C433}"/>
-              </a:ext>
-            </a:extLst>
-          </p:cNvPr>
-          <p:cNvSpPr>
-            <a:spLocks noGrp="1"/>
-          </p:cNvSpPr>
-          <p:nvPr>
-            <p:ph type="body" sz="quarter" idx="11"/>
-          </p:nvPr>
-        </p:nvSpPr>
-        <p:spPr/>
-        <p:txBody>
-          <a:bodyPr/>
-          <a:lstStyle/>
-          <a:p>
-            <a:endParaRPr lang="en-US"/>
           </a:p>
         </p:txBody>
       </p:sp>
@@ -14825,7 +14979,7 @@
         </p:blipFill>
         <p:spPr bwMode="auto">
           <a:xfrm>
-            <a:off x="6541896" y="1151965"/>
+            <a:off x="6150011" y="1189175"/>
             <a:ext cx="5486400" cy="3197994"/>
           </a:xfrm>
           <a:prstGeom prst="rect">
@@ -14881,13 +15035,13 @@
         </p:nvSpPr>
         <p:spPr/>
         <p:txBody>
-          <a:bodyPr>
+          <a:bodyPr anchor="ctr">
             <a:normAutofit/>
           </a:bodyPr>
           <a:lstStyle/>
           <a:p>
             <a:r>
-              <a:rPr lang="en-US" sz="3600" dirty="0"/>
+              <a:rPr lang="en-US" sz="4400" dirty="0"/>
               <a:t>REST API</a:t>
             </a:r>
           </a:p>
@@ -14916,10 +15070,10 @@
           <a:lstStyle/>
           <a:p>
             <a:r>
-              <a:rPr lang="en-US" sz="2400" dirty="0"/>
+              <a:rPr lang="en-US" sz="2000" dirty="0"/>
               <a:t>Generate embed token using below REST API</a:t>
             </a:r>
-            <a:endParaRPr lang="en-US" sz="2400" dirty="0">
+            <a:endParaRPr lang="en-US" sz="2000" dirty="0">
               <a:solidFill>
                 <a:schemeClr val="tx1"/>
               </a:solidFill>
@@ -14928,7 +15082,7 @@
           <a:p>
             <a:pPr lvl="1"/>
             <a:r>
-              <a:rPr lang="en-US" sz="1616" u="sng" dirty="0">
+              <a:rPr lang="en-US" sz="2000" u="sng" dirty="0">
                 <a:solidFill>
                   <a:schemeClr val="tx1"/>
                 </a:solidFill>
@@ -14943,7 +15097,7 @@
               <a:t>https://api.powerbi.com/v1.0/myorg/groups/&lt;&lt;GROUP ID&gt;&gt;/reports/&lt;&lt;REPORT ID&gt;&gt;/</a:t>
             </a:r>
             <a:r>
-              <a:rPr lang="en-US" sz="1616" u="sng" dirty="0" err="1">
+              <a:rPr lang="en-US" sz="2000" u="sng" dirty="0" err="1">
                 <a:solidFill>
                   <a:schemeClr val="tx1"/>
                 </a:solidFill>
@@ -14957,7 +15111,7 @@
               </a:rPr>
               <a:t>GenerateToken</a:t>
             </a:r>
-            <a:endParaRPr lang="en-US" sz="1616" dirty="0">
+            <a:endParaRPr lang="en-US" sz="2000" dirty="0">
               <a:solidFill>
                 <a:schemeClr val="tx1"/>
               </a:solidFill>
@@ -14966,18 +15120,18 @@
           <a:p>
             <a:pPr lvl="1"/>
             <a:r>
-              <a:rPr lang="en-US" sz="1616" dirty="0"/>
+              <a:rPr lang="en-US" sz="2000" dirty="0"/>
               <a:t>Header</a:t>
             </a:r>
           </a:p>
           <a:p>
             <a:pPr lvl="1"/>
             <a:r>
-              <a:rPr lang="en-US" sz="1616" dirty="0"/>
+              <a:rPr lang="en-US" sz="2000" dirty="0"/>
               <a:t>Authorization = Bearer </a:t>
             </a:r>
             <a:r>
-              <a:rPr lang="en-US" sz="1616" dirty="0">
+              <a:rPr lang="en-US" sz="2000" dirty="0">
                 <a:solidFill>
                   <a:srgbClr val="FF0000"/>
                 </a:solidFill>
@@ -14985,7 +15139,7 @@
               <a:t>&lt;&lt;Access </a:t>
             </a:r>
             <a:r>
-              <a:rPr lang="en-US" sz="1616" dirty="0" err="1">
+              <a:rPr lang="en-US" sz="2000" dirty="0" err="1">
                 <a:solidFill>
                   <a:srgbClr val="FF0000"/>
                 </a:solidFill>
@@ -14993,7 +15147,7 @@
               <a:t>Tocken</a:t>
             </a:r>
             <a:r>
-              <a:rPr lang="en-US" sz="1616" dirty="0">
+              <a:rPr lang="en-US" sz="2000" dirty="0">
                 <a:solidFill>
                   <a:srgbClr val="FF0000"/>
                 </a:solidFill>
@@ -15004,97 +15158,68 @@
           <a:p>
             <a:pPr lvl="1"/>
             <a:r>
-              <a:rPr lang="en-US" sz="1616" dirty="0"/>
+              <a:rPr lang="en-US" sz="2000" dirty="0"/>
               <a:t>Content-Type = application/x-www-form-</a:t>
             </a:r>
             <a:r>
-              <a:rPr lang="en-US" sz="1616" dirty="0" err="1"/>
+              <a:rPr lang="en-US" sz="2000" dirty="0" err="1"/>
               <a:t>urlencoded</a:t>
             </a:r>
-            <a:endParaRPr lang="en-US" sz="1616" dirty="0"/>
+            <a:endParaRPr lang="en-US" sz="2000" dirty="0"/>
           </a:p>
           <a:p>
             <a:pPr lvl="1"/>
             <a:r>
-              <a:rPr lang="en-US" sz="1616" dirty="0"/>
+              <a:rPr lang="en-US" sz="2000" dirty="0"/>
               <a:t>Accept=application/</a:t>
             </a:r>
             <a:r>
-              <a:rPr lang="en-US" sz="1616" dirty="0" err="1"/>
+              <a:rPr lang="en-US" sz="2000" dirty="0" err="1"/>
               <a:t>json</a:t>
             </a:r>
-            <a:endParaRPr lang="en-US" sz="1616" dirty="0"/>
+            <a:endParaRPr lang="en-US" sz="2000" dirty="0"/>
           </a:p>
           <a:p>
             <a:pPr lvl="1"/>
             <a:r>
-              <a:rPr lang="en-US" sz="1616" dirty="0"/>
+              <a:rPr lang="en-US" sz="2000" dirty="0"/>
               <a:t>BODY</a:t>
             </a:r>
           </a:p>
           <a:p>
             <a:pPr lvl="1"/>
             <a:r>
-              <a:rPr lang="en-US" sz="1616" dirty="0" err="1"/>
+              <a:rPr lang="en-US" sz="2000" dirty="0" err="1"/>
               <a:t>accessLevel</a:t>
             </a:r>
             <a:r>
-              <a:rPr lang="en-US" sz="1616" dirty="0"/>
+              <a:rPr lang="en-US" sz="2000" dirty="0"/>
               <a:t> = View</a:t>
             </a:r>
           </a:p>
           <a:p>
             <a:pPr lvl="1"/>
             <a:r>
-              <a:rPr lang="en-US" sz="1616" dirty="0" err="1"/>
+              <a:rPr lang="en-US" sz="2000" dirty="0" err="1"/>
               <a:t>allowSaveAs</a:t>
             </a:r>
             <a:r>
-              <a:rPr lang="en-US" sz="1616" dirty="0"/>
+              <a:rPr lang="en-US" sz="2000" dirty="0"/>
               <a:t>=false</a:t>
             </a:r>
-            <a:endParaRPr lang="en-US" sz="2400" dirty="0"/>
-          </a:p>
-          <a:p>
-            <a:r>
-              <a:rPr lang="en-US" sz="2400" dirty="0"/>
+          </a:p>
+          <a:p>
+            <a:r>
+              <a:rPr lang="en-US" sz="2000" dirty="0"/>
               <a:t>Remember Token from the result </a:t>
             </a:r>
           </a:p>
           <a:p>
             <a:pPr lvl="1"/>
             <a:r>
-              <a:rPr lang="en-US" sz="1616" dirty="0"/>
+              <a:rPr lang="en-US" sz="2000" dirty="0"/>
               <a:t>Embed token</a:t>
             </a:r>
-          </a:p>
-          <a:p>
-            <a:endParaRPr lang="en-US" sz="2400" dirty="0"/>
-          </a:p>
-        </p:txBody>
-      </p:sp>
-      <p:sp>
-        <p:nvSpPr>
-          <p:cNvPr id="4" name="Text Placeholder 3">
-            <a:extLst>
-              <a:ext uri="{FF2B5EF4-FFF2-40B4-BE49-F238E27FC236}">
-                <a16:creationId xmlns:a16="http://schemas.microsoft.com/office/drawing/2014/main" id="{A7066960-022F-4024-8403-5E24FE6F66B1}"/>
-              </a:ext>
-            </a:extLst>
-          </p:cNvPr>
-          <p:cNvSpPr>
-            <a:spLocks noGrp="1"/>
-          </p:cNvSpPr>
-          <p:nvPr>
-            <p:ph type="body" sz="quarter" idx="11"/>
-          </p:nvPr>
-        </p:nvSpPr>
-        <p:spPr/>
-        <p:txBody>
-          <a:bodyPr/>
-          <a:lstStyle/>
-          <a:p>
-            <a:endParaRPr lang="en-US"/>
           </a:p>
         </p:txBody>
       </p:sp>
@@ -15115,7 +15240,7 @@
         </p:blipFill>
         <p:spPr bwMode="auto">
           <a:xfrm>
-            <a:off x="6284584" y="1246094"/>
+            <a:off x="6139441" y="2133600"/>
             <a:ext cx="5638175" cy="2590800"/>
           </a:xfrm>
           <a:prstGeom prst="rect">
